--- a/PosterPresentations.com-36x48-Template-V0.pptx
+++ b/PosterPresentations.com-36x48-Template-V0.pptx
@@ -256,7 +256,7 @@
             <a:fld id="{0158C5BC-9A70-462C-B28D-9600239EAC64}" type="datetimeFigureOut">
               <a:rPr lang="en-US" smtClean="0"/>
               <a:pPr/>
-              <a:t>4/11/2025</a:t>
+              <a:t>4/16/2025</a:t>
             </a:fld>
             <a:endParaRPr lang="en-US"/>
           </a:p>
@@ -423,7 +423,7 @@
             <a:fld id="{E6CC2317-6751-4CD4-9995-8782DD78E936}" type="datetimeFigureOut">
               <a:rPr lang="en-US" smtClean="0"/>
               <a:pPr/>
-              <a:t>4/11/2025</a:t>
+              <a:t>4/16/2025</a:t>
             </a:fld>
             <a:endParaRPr lang="en-US" dirty="0"/>
           </a:p>
@@ -691,6 +691,91 @@
     </a:lvl9pPr>
   </p:notesStyle>
 </p:notesMaster>
+</file>
+
+<file path=ppt/notesSlides/notesSlide1.xml><?xml version="1.0" encoding="utf-8"?>
+<p:notes xmlns:a="http://schemas.openxmlformats.org/drawingml/2006/main" xmlns:r="http://schemas.openxmlformats.org/officeDocument/2006/relationships" xmlns:p="http://schemas.openxmlformats.org/presentationml/2006/main">
+  <p:cSld>
+    <p:spTree>
+      <p:nvGrpSpPr>
+        <p:cNvPr id="1" name=""/>
+        <p:cNvGrpSpPr/>
+        <p:nvPr/>
+      </p:nvGrpSpPr>
+      <p:grpSpPr>
+        <a:xfrm>
+          <a:off x="0" y="0"/>
+          <a:ext cx="0" cy="0"/>
+          <a:chOff x="0" y="0"/>
+          <a:chExt cx="0" cy="0"/>
+        </a:xfrm>
+      </p:grpSpPr>
+      <p:sp>
+        <p:nvSpPr>
+          <p:cNvPr id="2" name="Slide Image Placeholder 1"/>
+          <p:cNvSpPr>
+            <a:spLocks noGrp="1" noRot="1" noChangeAspect="1"/>
+          </p:cNvSpPr>
+          <p:nvPr>
+            <p:ph type="sldImg"/>
+          </p:nvPr>
+        </p:nvSpPr>
+        <p:spPr/>
+      </p:sp>
+      <p:sp>
+        <p:nvSpPr>
+          <p:cNvPr id="3" name="Notes Placeholder 2"/>
+          <p:cNvSpPr>
+            <a:spLocks noGrp="1"/>
+          </p:cNvSpPr>
+          <p:nvPr>
+            <p:ph type="body" idx="1"/>
+          </p:nvPr>
+        </p:nvSpPr>
+        <p:spPr/>
+        <p:txBody>
+          <a:bodyPr/>
+          <a:lstStyle/>
+          <a:p>
+            <a:endParaRPr lang="en-US" dirty="0"/>
+          </a:p>
+        </p:txBody>
+      </p:sp>
+      <p:sp>
+        <p:nvSpPr>
+          <p:cNvPr id="4" name="Slide Number Placeholder 3"/>
+          <p:cNvSpPr>
+            <a:spLocks noGrp="1"/>
+          </p:cNvSpPr>
+          <p:nvPr>
+            <p:ph type="sldNum" sz="quarter" idx="5"/>
+          </p:nvPr>
+        </p:nvSpPr>
+        <p:spPr/>
+        <p:txBody>
+          <a:bodyPr/>
+          <a:lstStyle/>
+          <a:p>
+            <a:fld id="{26A1A87D-CAF7-4BDC-A0D3-C0DBEDE81619}" type="slidenum">
+              <a:rPr lang="en-US" smtClean="0"/>
+              <a:pPr/>
+              <a:t>1</a:t>
+            </a:fld>
+            <a:endParaRPr lang="en-US" dirty="0"/>
+          </a:p>
+        </p:txBody>
+      </p:sp>
+    </p:spTree>
+    <p:extLst>
+      <p:ext uri="{BB962C8B-B14F-4D97-AF65-F5344CB8AC3E}">
+        <p14:creationId xmlns:p14="http://schemas.microsoft.com/office/powerpoint/2010/main" val="3385137470"/>
+      </p:ext>
+    </p:extLst>
+  </p:cSld>
+  <p:clrMapOvr>
+    <a:masterClrMapping/>
+  </p:clrMapOvr>
+</p:notes>
 </file>
 
 <file path=ppt/slideLayouts/slideLayout1.xml><?xml version="1.0" encoding="utf-8"?>
@@ -6606,7 +6691,7 @@
         <p:spPr>
           <a:xfrm>
             <a:off x="459674" y="6378481"/>
-            <a:ext cx="10056813" cy="3046966"/>
+            <a:ext cx="10056813" cy="4770515"/>
           </a:xfrm>
         </p:spPr>
         <p:txBody>
@@ -6617,17 +6702,18 @@
               <a:buNone/>
             </a:pPr>
             <a:r>
-              <a:rPr lang="en-US" sz="2800" b="0" i="0" u="none" strike="noStrike" dirty="0">
+              <a:rPr lang="en-US" sz="4000" b="0" i="0" u="none" strike="noStrike" dirty="0">
                 <a:solidFill>
                   <a:srgbClr val="000000"/>
                 </a:solidFill>
                 <a:effectLst/>
-                <a:latin typeface="Arial" panose="020B0604020202020204" pitchFamily="34" charset="0"/>
+                <a:latin typeface="+mj-lt"/>
               </a:rPr>
               <a:t>CareerMatch AI is a work-in-progress intelligent job-matching platform that merges frontend interactivity, backend automation, and a deep learning-based recommender system to help users discover career opportunities tailored to their skills, interests, and experiences.</a:t>
             </a:r>
-            <a:endParaRPr lang="en-US" sz="2800" b="0" dirty="0">
+            <a:endParaRPr lang="en-US" sz="4000" b="0" dirty="0">
               <a:effectLst/>
+              <a:latin typeface="+mj-lt"/>
             </a:endParaRPr>
           </a:p>
         </p:txBody>
@@ -6706,8 +6792,8 @@
         </p:nvSpPr>
         <p:spPr>
           <a:xfrm>
-            <a:off x="10684311" y="10811027"/>
-            <a:ext cx="22495530" cy="18632771"/>
+            <a:off x="10684311" y="10170581"/>
+            <a:ext cx="22495530" cy="18915925"/>
           </a:xfrm>
         </p:spPr>
         <p:txBody>
@@ -6716,7 +6802,7 @@
           <a:p>
             <a:pPr algn="ctr"/>
             <a:r>
-              <a:rPr lang="en-US" sz="3600" dirty="0"/>
+              <a:rPr lang="en-US" sz="4000" b="1" dirty="0"/>
               <a:t>Frontend (User Interface)</a:t>
             </a:r>
           </a:p>
@@ -6739,7 +6825,7 @@
           <a:p>
             <a:pPr algn="ctr"/>
             <a:r>
-              <a:rPr lang="en-US" sz="3600" dirty="0"/>
+              <a:rPr lang="en-US" sz="4000" b="1" dirty="0"/>
               <a:t>Backend (Infrastructure &amp; Data Handling)</a:t>
             </a:r>
           </a:p>
@@ -6762,7 +6848,7 @@
           <a:p>
             <a:pPr algn="ctr"/>
             <a:r>
-              <a:rPr lang="en-US" sz="3600" dirty="0"/>
+              <a:rPr lang="en-US" sz="4000" b="1" dirty="0"/>
               <a:t>Job Data Scraping Engine (Zensearch)</a:t>
             </a:r>
           </a:p>
@@ -6785,7 +6871,7 @@
           <a:p>
             <a:pPr algn="ctr"/>
             <a:r>
-              <a:rPr lang="en-US" sz="3600" dirty="0"/>
+              <a:rPr lang="en-US" sz="4000" b="1" dirty="0"/>
               <a:t>Recommender System (RecsysFiles)</a:t>
             </a:r>
           </a:p>
@@ -6851,8 +6937,8 @@
         </p:nvSpPr>
         <p:spPr>
           <a:xfrm>
-            <a:off x="33092158" y="3467811"/>
-            <a:ext cx="10398619" cy="25901845"/>
+            <a:off x="33092158" y="738645"/>
+            <a:ext cx="10398619" cy="28631012"/>
           </a:xfrm>
           <a:prstGeom prst="roundRect">
             <a:avLst/>
@@ -6901,8 +6987,8 @@
         </p:nvSpPr>
         <p:spPr>
           <a:xfrm>
-            <a:off x="33390292" y="4841511"/>
-            <a:ext cx="10047018" cy="24228149"/>
+            <a:off x="33390292" y="1320800"/>
+            <a:ext cx="10047018" cy="26305641"/>
           </a:xfrm>
         </p:spPr>
         <p:txBody>
@@ -6910,19 +6996,25 @@
           <a:lstStyle/>
           <a:p>
             <a:r>
-              <a:rPr lang="en-US" sz="2200" dirty="0"/>
+              <a:rPr lang="en-US" b="1" dirty="0">
+                <a:latin typeface="+mj-lt"/>
+              </a:rPr>
               <a:t>Recommender System</a:t>
             </a:r>
           </a:p>
           <a:p>
             <a:r>
-              <a:rPr lang="en-US" sz="2200" dirty="0"/>
+              <a:rPr lang="en-US" sz="2300" dirty="0">
+                <a:latin typeface="+mj-lt"/>
+              </a:rPr>
               <a:t>-------------------------------</a:t>
             </a:r>
           </a:p>
           <a:p>
             <a:r>
-              <a:rPr lang="en-US" sz="2200" dirty="0"/>
+              <a:rPr lang="en-US" sz="2300" dirty="0">
+                <a:latin typeface="+mj-lt"/>
+              </a:rPr>
               <a:t>-   [ ] Integrate PyTorch recommendation model fully into backend Flask routes.</a:t>
             </a:r>
           </a:p>
@@ -6932,7 +7024,9 @@
               <a:buChar char="-"/>
             </a:pPr>
             <a:r>
-              <a:rPr lang="en-US" sz="2200" dirty="0"/>
+              <a:rPr lang="en-US" sz="2300" dirty="0">
+                <a:latin typeface="+mj-lt"/>
+              </a:rPr>
               <a:t>[ ] Create API endpoints to serve personalized job recommendations to users.</a:t>
             </a:r>
           </a:p>
@@ -6942,7 +7036,9 @@
               <a:buChar char="-"/>
             </a:pPr>
             <a:r>
-              <a:rPr lang="en-US" sz="2200" dirty="0"/>
+              <a:rPr lang="en-US" sz="2300" dirty="0">
+                <a:latin typeface="+mj-lt"/>
+              </a:rPr>
               <a:t> [ ] Add support for live model updates based on new user input and behavior (e.g., likes, skips).</a:t>
             </a:r>
           </a:p>
@@ -6952,7 +7048,9 @@
               <a:buChar char="-"/>
             </a:pPr>
             <a:r>
-              <a:rPr lang="en-US" sz="2200" dirty="0"/>
+              <a:rPr lang="en-US" sz="2300" dirty="0">
+                <a:latin typeface="+mj-lt"/>
+              </a:rPr>
               <a:t>[ ] Deploy model to cloud server or containerized environment (e.g., Docker + AWS/GCP).</a:t>
             </a:r>
           </a:p>
@@ -6962,22 +7060,30 @@
               <a:buChar char="-"/>
             </a:pPr>
             <a:r>
-              <a:rPr lang="en-US" sz="2200" dirty="0"/>
+              <a:rPr lang="en-US" sz="2300" dirty="0">
+                <a:latin typeface="+mj-lt"/>
+              </a:rPr>
               <a:t>[ ] Evaluate and fine-tune model performance using real user data and feedback loops.</a:t>
             </a:r>
           </a:p>
           <a:p>
-            <a:endParaRPr lang="en-US" sz="2200" dirty="0"/>
-          </a:p>
-          <a:p>
-            <a:r>
-              <a:rPr lang="en-US" sz="2200" dirty="0"/>
+            <a:endParaRPr lang="en-US" sz="2300" dirty="0">
+              <a:latin typeface="+mj-lt"/>
+            </a:endParaRPr>
+          </a:p>
+          <a:p>
+            <a:r>
+              <a:rPr lang="en-US" b="1" dirty="0">
+                <a:latin typeface="+mj-lt"/>
+              </a:rPr>
               <a:t>Frontend Enhancements</a:t>
             </a:r>
           </a:p>
           <a:p>
             <a:r>
-              <a:rPr lang="en-US" sz="2200" dirty="0"/>
+              <a:rPr lang="en-US" sz="2300" dirty="0">
+                <a:latin typeface="+mj-lt"/>
+              </a:rPr>
               <a:t>--------------------------------</a:t>
             </a:r>
           </a:p>
@@ -6987,7 +7093,9 @@
               <a:buChar char="-"/>
             </a:pPr>
             <a:r>
-              <a:rPr lang="en-US" sz="2200" dirty="0"/>
+              <a:rPr lang="en-US" sz="2300" dirty="0">
+                <a:latin typeface="+mj-lt"/>
+              </a:rPr>
               <a:t>[ ] Build a personalized dashboard to display job matches and profile info.</a:t>
             </a:r>
           </a:p>
@@ -6997,7 +7105,9 @@
               <a:buChar char="-"/>
             </a:pPr>
             <a:r>
-              <a:rPr lang="en-US" sz="2200" dirty="0"/>
+              <a:rPr lang="en-US" sz="2300" dirty="0">
+                <a:latin typeface="+mj-lt"/>
+              </a:rPr>
               <a:t>[ ] Implement a swipe-like interface (Tinder-style or card carousel) for job recommendations.</a:t>
             </a:r>
           </a:p>
@@ -7007,7 +7117,9 @@
               <a:buChar char="-"/>
             </a:pPr>
             <a:r>
-              <a:rPr lang="en-US" sz="2200" dirty="0"/>
+              <a:rPr lang="en-US" sz="2300" dirty="0">
+                <a:latin typeface="+mj-lt"/>
+              </a:rPr>
               <a:t>[ ] Add UI for viewing job postings scraped from Zensearch.</a:t>
             </a:r>
           </a:p>
@@ -7017,7 +7129,9 @@
               <a:buChar char="-"/>
             </a:pPr>
             <a:r>
-              <a:rPr lang="en-US" sz="2200" dirty="0"/>
+              <a:rPr lang="en-US" sz="2300" dirty="0">
+                <a:latin typeface="+mj-lt"/>
+              </a:rPr>
               <a:t>[ ] Provide visual feedback when resume parsing is complete.</a:t>
             </a:r>
           </a:p>
@@ -7027,22 +7141,30 @@
               <a:buChar char="-"/>
             </a:pPr>
             <a:r>
-              <a:rPr lang="en-US" sz="2200" dirty="0"/>
+              <a:rPr lang="en-US" sz="2300" dirty="0">
+                <a:latin typeface="+mj-lt"/>
+              </a:rPr>
               <a:t>[ ] Improve error messaging and form handling for all user inputs.</a:t>
             </a:r>
           </a:p>
           <a:p>
-            <a:endParaRPr lang="en-US" sz="2200" dirty="0"/>
-          </a:p>
-          <a:p>
-            <a:r>
-              <a:rPr lang="en-US" sz="2200" dirty="0"/>
+            <a:endParaRPr lang="en-US" sz="2300" dirty="0">
+              <a:latin typeface="+mj-lt"/>
+            </a:endParaRPr>
+          </a:p>
+          <a:p>
+            <a:r>
+              <a:rPr lang="en-US" b="1" dirty="0">
+                <a:latin typeface="+mj-lt"/>
+              </a:rPr>
               <a:t>Authentication &amp; User Management</a:t>
             </a:r>
           </a:p>
           <a:p>
             <a:r>
-              <a:rPr lang="en-US" sz="2200" dirty="0"/>
+              <a:rPr lang="en-US" sz="2300" dirty="0">
+                <a:latin typeface="+mj-lt"/>
+              </a:rPr>
               <a:t>------------------------------------------------</a:t>
             </a:r>
           </a:p>
@@ -7052,7 +7174,9 @@
               <a:buChar char="-"/>
             </a:pPr>
             <a:r>
-              <a:rPr lang="en-US" sz="2200" dirty="0"/>
+              <a:rPr lang="en-US" sz="2300" dirty="0">
+                <a:latin typeface="+mj-lt"/>
+              </a:rPr>
               <a:t>[ ] Upgrade login/signup to use JWT tokens for session management.</a:t>
             </a:r>
           </a:p>
@@ -7062,7 +7186,9 @@
               <a:buChar char="-"/>
             </a:pPr>
             <a:r>
-              <a:rPr lang="en-US" sz="2200" dirty="0"/>
+              <a:rPr lang="en-US" sz="2300" dirty="0">
+                <a:latin typeface="+mj-lt"/>
+              </a:rPr>
               <a:t>[ ] Add "Forgot Password" functionality.</a:t>
             </a:r>
           </a:p>
@@ -7072,7 +7198,9 @@
               <a:buChar char="-"/>
             </a:pPr>
             <a:r>
-              <a:rPr lang="en-US" sz="2200" dirty="0"/>
+              <a:rPr lang="en-US" sz="2300" dirty="0">
+                <a:latin typeface="+mj-lt"/>
+              </a:rPr>
               <a:t>[ ] Build user profile editing capabilities (name, resume re-upload, preferences, etc.).</a:t>
             </a:r>
           </a:p>
@@ -7082,7 +7210,9 @@
               <a:buChar char="-"/>
             </a:pPr>
             <a:r>
-              <a:rPr lang="en-US" sz="2200" dirty="0"/>
+              <a:rPr lang="en-US" sz="2300" dirty="0">
+                <a:latin typeface="+mj-lt"/>
+              </a:rPr>
               <a:t>[ ] Implement role-based access if needed (e.g., admin dashboard for job data curation). </a:t>
             </a:r>
           </a:p>
@@ -7091,17 +7221,23 @@
               <a:buFontTx/>
               <a:buChar char="-"/>
             </a:pPr>
-            <a:endParaRPr lang="en-US" sz="2200" dirty="0"/>
-          </a:p>
-          <a:p>
-            <a:r>
-              <a:rPr lang="en-US" sz="2200" dirty="0"/>
+            <a:endParaRPr lang="en-US" sz="2300" dirty="0">
+              <a:latin typeface="+mj-lt"/>
+            </a:endParaRPr>
+          </a:p>
+          <a:p>
+            <a:r>
+              <a:rPr lang="en-US" b="1" dirty="0">
+                <a:latin typeface="+mj-lt"/>
+              </a:rPr>
               <a:t>Job Scraping and Zensearch Expansion</a:t>
             </a:r>
           </a:p>
           <a:p>
             <a:r>
-              <a:rPr lang="en-US" sz="2200" dirty="0"/>
+              <a:rPr lang="en-US" sz="2300" dirty="0">
+                <a:latin typeface="+mj-lt"/>
+              </a:rPr>
               <a:t>-----------------------------------------------------</a:t>
             </a:r>
           </a:p>
@@ -7111,7 +7247,9 @@
               <a:buChar char="-"/>
             </a:pPr>
             <a:r>
-              <a:rPr lang="en-US" sz="2200" dirty="0"/>
+              <a:rPr lang="en-US" sz="2300" dirty="0">
+                <a:latin typeface="+mj-lt"/>
+              </a:rPr>
               <a:t>[ ] Add browser-based scraping (e.g., Puppeteer) for JavaScript-heavy company job boards.</a:t>
             </a:r>
           </a:p>
@@ -7121,7 +7259,9 @@
               <a:buChar char="-"/>
             </a:pPr>
             <a:r>
-              <a:rPr lang="en-US" sz="2200" dirty="0"/>
+              <a:rPr lang="en-US" sz="2300" dirty="0">
+                <a:latin typeface="+mj-lt"/>
+              </a:rPr>
               <a:t>[ ] Include company logos, job tags, and skill requirements in scraped data.</a:t>
             </a:r>
           </a:p>
@@ -7131,7 +7271,9 @@
               <a:buChar char="-"/>
             </a:pPr>
             <a:r>
-              <a:rPr lang="en-US" sz="2200" dirty="0"/>
+              <a:rPr lang="en-US" sz="2300" dirty="0">
+                <a:latin typeface="+mj-lt"/>
+              </a:rPr>
               <a:t>[ ] Improve error handling in zensearch.js for failed or throttled requests.</a:t>
             </a:r>
           </a:p>
@@ -7141,7 +7283,9 @@
               <a:buChar char="-"/>
             </a:pPr>
             <a:r>
-              <a:rPr lang="en-US" sz="2200" dirty="0"/>
+              <a:rPr lang="en-US" sz="2300" dirty="0">
+                <a:latin typeface="+mj-lt"/>
+              </a:rPr>
               <a:t>[ ] Enable on-demand scraping for user-requested companies.</a:t>
             </a:r>
           </a:p>
@@ -7150,17 +7294,23 @@
               <a:buFontTx/>
               <a:buChar char="-"/>
             </a:pPr>
-            <a:endParaRPr lang="en-US" sz="2200" dirty="0"/>
-          </a:p>
-          <a:p>
-            <a:r>
-              <a:rPr lang="en-US" sz="2200" dirty="0"/>
+            <a:endParaRPr lang="en-US" sz="2300" dirty="0">
+              <a:latin typeface="+mj-lt"/>
+            </a:endParaRPr>
+          </a:p>
+          <a:p>
+            <a:r>
+              <a:rPr lang="en-US" b="1" dirty="0">
+                <a:latin typeface="+mj-lt"/>
+              </a:rPr>
               <a:t>Database &amp; Storage</a:t>
             </a:r>
           </a:p>
           <a:p>
             <a:r>
-              <a:rPr lang="en-US" sz="2200" dirty="0"/>
+              <a:rPr lang="en-US" sz="2300" dirty="0">
+                <a:latin typeface="+mj-lt"/>
+              </a:rPr>
               <a:t>---------------------------------</a:t>
             </a:r>
           </a:p>
@@ -7170,7 +7320,9 @@
               <a:buChar char="-"/>
             </a:pPr>
             <a:r>
-              <a:rPr lang="en-US" sz="2200" dirty="0"/>
+              <a:rPr lang="en-US" sz="2300" dirty="0">
+                <a:latin typeface="+mj-lt"/>
+              </a:rPr>
               <a:t>[ ] Migrate from SQLite3 to PostgreSQL or another scalable RDBMS.</a:t>
             </a:r>
           </a:p>
@@ -7180,7 +7332,9 @@
               <a:buChar char="-"/>
             </a:pPr>
             <a:r>
-              <a:rPr lang="en-US" sz="2200" dirty="0"/>
+              <a:rPr lang="en-US" sz="2300" dirty="0">
+                <a:latin typeface="+mj-lt"/>
+              </a:rPr>
               <a:t>[ ] Add ORM integration (e.g., SQLAlchemy) for more maintainable backend code.</a:t>
             </a:r>
           </a:p>
@@ -7190,22 +7344,30 @@
               <a:buChar char="-"/>
             </a:pPr>
             <a:r>
-              <a:rPr lang="en-US" sz="2200" dirty="0"/>
+              <a:rPr lang="en-US" sz="2300" dirty="0">
+                <a:latin typeface="+mj-lt"/>
+              </a:rPr>
               <a:t>[ ] Set up object storage (e.g., S3 or local equivalent) for resume file storage.</a:t>
             </a:r>
           </a:p>
           <a:p>
-            <a:endParaRPr lang="en-US" sz="2200" dirty="0"/>
-          </a:p>
-          <a:p>
-            <a:r>
-              <a:rPr lang="en-US" sz="2200" dirty="0"/>
+            <a:endParaRPr lang="en-US" sz="2300" dirty="0">
+              <a:latin typeface="+mj-lt"/>
+            </a:endParaRPr>
+          </a:p>
+          <a:p>
+            <a:r>
+              <a:rPr lang="en-US" b="1" dirty="0">
+                <a:latin typeface="+mj-lt"/>
+              </a:rPr>
               <a:t>Communication &amp; Email</a:t>
             </a:r>
           </a:p>
           <a:p>
             <a:r>
-              <a:rPr lang="en-US" sz="2200" dirty="0"/>
+              <a:rPr lang="en-US" sz="2300" dirty="0">
+                <a:latin typeface="+mj-lt"/>
+              </a:rPr>
               <a:t>--------------------------------</a:t>
             </a:r>
           </a:p>
@@ -7215,7 +7377,9 @@
               <a:buChar char="-"/>
             </a:pPr>
             <a:r>
-              <a:rPr lang="en-US" sz="2200" dirty="0"/>
+              <a:rPr lang="en-US" sz="2300" dirty="0">
+                <a:latin typeface="+mj-lt"/>
+              </a:rPr>
               <a:t>[ ] Create a user settings page for managing email preferences.</a:t>
             </a:r>
           </a:p>
@@ -7225,7 +7389,9 @@
               <a:buChar char="-"/>
             </a:pPr>
             <a:r>
-              <a:rPr lang="en-US" sz="2200" dirty="0"/>
+              <a:rPr lang="en-US" sz="2300" dirty="0">
+                <a:latin typeface="+mj-lt"/>
+              </a:rPr>
               <a:t>[ ] Set up templated email notifications for new matching job postings.</a:t>
             </a:r>
           </a:p>
@@ -7235,19 +7401,25 @@
               <a:buChar char="-"/>
             </a:pPr>
             <a:r>
-              <a:rPr lang="en-US" sz="2200" dirty="0"/>
+              <a:rPr lang="en-US" sz="2300" dirty="0">
+                <a:latin typeface="+mj-lt"/>
+              </a:rPr>
               <a:t>[ ] Track email open/click rates (optional analytics layer).</a:t>
             </a:r>
           </a:p>
           <a:p>
             <a:r>
-              <a:rPr lang="en-US" sz="2200" dirty="0"/>
+              <a:rPr lang="en-US" b="1" dirty="0">
+                <a:latin typeface="+mj-lt"/>
+              </a:rPr>
               <a:t>Testing &amp; DevOps</a:t>
             </a:r>
           </a:p>
           <a:p>
             <a:r>
-              <a:rPr lang="en-US" sz="2200" dirty="0"/>
+              <a:rPr lang="en-US" sz="2300" dirty="0">
+                <a:latin typeface="+mj-lt"/>
+              </a:rPr>
               <a:t>---------------------------- </a:t>
             </a:r>
           </a:p>
@@ -7257,7 +7429,9 @@
               <a:buChar char="-"/>
             </a:pPr>
             <a:r>
-              <a:rPr lang="en-US" sz="2200" dirty="0"/>
+              <a:rPr lang="en-US" sz="2300" dirty="0">
+                <a:latin typeface="+mj-lt"/>
+              </a:rPr>
               <a:t>[ ] Add automated tests for frontend/backend components.</a:t>
             </a:r>
           </a:p>
@@ -7267,7 +7441,9 @@
               <a:buChar char="-"/>
             </a:pPr>
             <a:r>
-              <a:rPr lang="en-US" sz="2200" dirty="0"/>
+              <a:rPr lang="en-US" sz="2300" dirty="0">
+                <a:latin typeface="+mj-lt"/>
+              </a:rPr>
               <a:t>[ ] Implement CI/CD pipeline for deploying frontend + backend.</a:t>
             </a:r>
           </a:p>
@@ -7277,7 +7453,9 @@
               <a:buChar char="-"/>
             </a:pPr>
             <a:r>
-              <a:rPr lang="en-US" sz="2200" dirty="0"/>
+              <a:rPr lang="en-US" sz="2300" dirty="0">
+                <a:latin typeface="+mj-lt"/>
+              </a:rPr>
               <a:t>[ ] Containerize the app using Docker and provide dev/staging environments.</a:t>
             </a:r>
           </a:p>
@@ -7287,19 +7465,25 @@
               <a:buChar char="-"/>
             </a:pPr>
             <a:r>
-              <a:rPr lang="en-US" sz="2200" dirty="0"/>
+              <a:rPr lang="en-US" sz="2300" dirty="0">
+                <a:latin typeface="+mj-lt"/>
+              </a:rPr>
               <a:t>[ ] Monitor uptime and scraper performance using logging and alerting.</a:t>
             </a:r>
           </a:p>
           <a:p>
             <a:r>
-              <a:rPr lang="en-US" sz="2200" dirty="0"/>
+              <a:rPr lang="en-US" b="1" dirty="0">
+                <a:latin typeface="+mj-lt"/>
+              </a:rPr>
               <a:t>Analytics &amp; Feedback</a:t>
             </a:r>
           </a:p>
           <a:p>
             <a:r>
-              <a:rPr lang="en-US" sz="2200" dirty="0"/>
+              <a:rPr lang="en-US" sz="2300" dirty="0">
+                <a:latin typeface="+mj-lt"/>
+              </a:rPr>
               <a:t>--------------------------------- </a:t>
             </a:r>
           </a:p>
@@ -7309,7 +7493,9 @@
               <a:buChar char="-"/>
             </a:pPr>
             <a:r>
-              <a:rPr lang="en-US" sz="2200" dirty="0"/>
+              <a:rPr lang="en-US" sz="2300" dirty="0">
+                <a:latin typeface="+mj-lt"/>
+              </a:rPr>
               <a:t>[ ] Track user engagement metrics (job views, clicks, signups).</a:t>
             </a:r>
           </a:p>
@@ -7319,7 +7505,9 @@
               <a:buChar char="-"/>
             </a:pPr>
             <a:r>
-              <a:rPr lang="en-US" sz="2200" dirty="0"/>
+              <a:rPr lang="en-US" sz="2300" dirty="0">
+                <a:latin typeface="+mj-lt"/>
+              </a:rPr>
               <a:t>[ ] Add feedback option to report bad recommendations or scraped data issues.</a:t>
             </a:r>
           </a:p>
@@ -7329,7 +7517,9 @@
               <a:buChar char="-"/>
             </a:pPr>
             <a:r>
-              <a:rPr lang="en-US" sz="2200" dirty="0"/>
+              <a:rPr lang="en-US" sz="2300" dirty="0">
+                <a:latin typeface="+mj-lt"/>
+              </a:rPr>
               <a:t>[ ] Build internal admin panel for viewing usage stats and managing job sources.</a:t>
             </a:r>
           </a:p>
@@ -7354,7 +7544,7 @@
         <p:spPr>
           <a:xfrm>
             <a:off x="459674" y="14951552"/>
-            <a:ext cx="10136192" cy="13242448"/>
+            <a:ext cx="10136192" cy="11926320"/>
           </a:xfrm>
         </p:spPr>
         <p:txBody>
@@ -7362,23 +7552,33 @@
           <a:lstStyle/>
           <a:p>
             <a:r>
-              <a:rPr lang="en-US" dirty="0"/>
+              <a:rPr lang="en-US" dirty="0">
+                <a:latin typeface="+mj-lt"/>
+              </a:rPr>
               <a:t>- Wrote </a:t>
             </a:r>
             <a:r>
-              <a:rPr lang="en-US" dirty="0" err="1"/>
+              <a:rPr lang="en-US" dirty="0" err="1">
+                <a:latin typeface="+mj-lt"/>
+              </a:rPr>
               <a:t>webscraping</a:t>
             </a:r>
             <a:r>
-              <a:rPr lang="en-US" dirty="0"/>
+              <a:rPr lang="en-US" dirty="0">
+                <a:latin typeface="+mj-lt"/>
+              </a:rPr>
               <a:t> script that can be scaled on the </a:t>
             </a:r>
             <a:r>
-              <a:rPr lang="en-US" dirty="0" err="1"/>
+              <a:rPr lang="en-US" dirty="0" err="1">
+                <a:latin typeface="+mj-lt"/>
+              </a:rPr>
               <a:t>zensearch</a:t>
             </a:r>
             <a:r>
-              <a:rPr lang="en-US" dirty="0"/>
+              <a:rPr lang="en-US" dirty="0">
+                <a:latin typeface="+mj-lt"/>
+              </a:rPr>
               <a:t> job board for any company</a:t>
             </a:r>
           </a:p>
@@ -7388,15 +7588,21 @@
               <a:buChar char="-"/>
             </a:pPr>
             <a:r>
-              <a:rPr lang="en-US" dirty="0"/>
+              <a:rPr lang="en-US" dirty="0">
+                <a:latin typeface="+mj-lt"/>
+              </a:rPr>
               <a:t>Fully automated using </a:t>
             </a:r>
             <a:r>
-              <a:rPr lang="en-US" dirty="0" err="1"/>
+              <a:rPr lang="en-US" dirty="0" err="1">
+                <a:latin typeface="+mj-lt"/>
+              </a:rPr>
               <a:t>github</a:t>
             </a:r>
             <a:r>
-              <a:rPr lang="en-US" dirty="0"/>
+              <a:rPr lang="en-US" dirty="0">
+                <a:latin typeface="+mj-lt"/>
+              </a:rPr>
               <a:t> actions to update job postings data every 48 hours</a:t>
             </a:r>
           </a:p>
@@ -7406,7 +7612,9 @@
               <a:buChar char="-"/>
             </a:pPr>
             <a:r>
-              <a:rPr lang="en-US" dirty="0"/>
+              <a:rPr lang="en-US" dirty="0">
+                <a:latin typeface="+mj-lt"/>
+              </a:rPr>
               <a:t>Created initial website where people will be able to upload data, create profiles and upload resumes</a:t>
             </a:r>
           </a:p>
@@ -7416,7 +7624,9 @@
               <a:buChar char="-"/>
             </a:pPr>
             <a:r>
-              <a:rPr lang="en-US" dirty="0"/>
+              <a:rPr lang="en-US" dirty="0">
+                <a:latin typeface="+mj-lt"/>
+              </a:rPr>
               <a:t>Began setting up flask app to connect back end to front end code</a:t>
             </a:r>
           </a:p>
@@ -7426,7 +7636,9 @@
               <a:buChar char="-"/>
             </a:pPr>
             <a:r>
-              <a:rPr lang="en-US" dirty="0"/>
+              <a:rPr lang="en-US" dirty="0">
+                <a:latin typeface="+mj-lt"/>
+              </a:rPr>
               <a:t>Created working front end to back end connection to collect data on resumes and scrape them</a:t>
             </a:r>
           </a:p>
@@ -7436,7 +7648,9 @@
               <a:buChar char="-"/>
             </a:pPr>
             <a:r>
-              <a:rPr lang="en-US" dirty="0"/>
+              <a:rPr lang="en-US" dirty="0">
+                <a:latin typeface="+mj-lt"/>
+              </a:rPr>
               <a:t>Initial implementation of user registration and login with homomorphic encryption of user profiles using SQLite3</a:t>
             </a:r>
           </a:p>
@@ -7446,7 +7660,9 @@
               <a:buChar char="-"/>
             </a:pPr>
             <a:r>
-              <a:rPr lang="en-US" dirty="0"/>
+              <a:rPr lang="en-US" dirty="0">
+                <a:latin typeface="+mj-lt"/>
+              </a:rPr>
               <a:t>Automated welcome emails upon signup</a:t>
             </a:r>
           </a:p>
@@ -7456,7 +7672,9 @@
               <a:buChar char="-"/>
             </a:pPr>
             <a:r>
-              <a:rPr lang="en-US" dirty="0"/>
+              <a:rPr lang="en-US" dirty="0">
+                <a:latin typeface="+mj-lt"/>
+              </a:rPr>
               <a:t>Designed job data schema for consistent output across all scrapers </a:t>
             </a:r>
           </a:p>
@@ -7466,7 +7684,9 @@
               <a:buChar char="-"/>
             </a:pPr>
             <a:r>
-              <a:rPr lang="en-US" dirty="0"/>
+              <a:rPr lang="en-US" dirty="0">
+                <a:latin typeface="+mj-lt"/>
+              </a:rPr>
               <a:t>Integrated a pdf preview on front end to view the file before submitting to our back end</a:t>
             </a:r>
           </a:p>
@@ -7476,7 +7696,9 @@
               <a:buChar char="-"/>
             </a:pPr>
             <a:r>
-              <a:rPr lang="en-US" dirty="0"/>
+              <a:rPr lang="en-US" dirty="0">
+                <a:latin typeface="+mj-lt"/>
+              </a:rPr>
               <a:t>Designed and built a PyTorch-based Transformer encoder recommendation model with collaborative filtering decoder</a:t>
             </a:r>
           </a:p>
@@ -7486,7 +7708,9 @@
               <a:buChar char="-"/>
             </a:pPr>
             <a:r>
-              <a:rPr lang="en-US" dirty="0"/>
+              <a:rPr lang="en-US" dirty="0">
+                <a:latin typeface="+mj-lt"/>
+              </a:rPr>
               <a:t>Collected and cleaned dataset of job descriptions and resumes for training</a:t>
             </a:r>
           </a:p>
@@ -7496,7 +7720,9 @@
               <a:buChar char="-"/>
             </a:pPr>
             <a:r>
-              <a:rPr lang="en-US" dirty="0"/>
+              <a:rPr lang="en-US" dirty="0">
+                <a:latin typeface="+mj-lt"/>
+              </a:rPr>
               <a:t>Trained the recommender model over large datasets using multi-day compute power.</a:t>
             </a:r>
           </a:p>
@@ -7506,7 +7732,9 @@
               <a:buChar char="-"/>
             </a:pPr>
             <a:r>
-              <a:rPr lang="en-US" dirty="0"/>
+              <a:rPr lang="en-US" dirty="0">
+                <a:latin typeface="+mj-lt"/>
+              </a:rPr>
               <a:t>Implemented functions for model preference feedback (e.g., accept, reject) to personalize job matching.</a:t>
             </a:r>
           </a:p>
@@ -7516,7 +7744,9 @@
               <a:buChar char="-"/>
             </a:pPr>
             <a:r>
-              <a:rPr lang="en-US" dirty="0"/>
+              <a:rPr lang="en-US" dirty="0">
+                <a:latin typeface="+mj-lt"/>
+              </a:rPr>
               <a:t>Created modular structure for scaling backend logic and scraper extensions.</a:t>
             </a:r>
           </a:p>
@@ -7526,36 +7756,10 @@
               <a:buChar char="-"/>
             </a:pPr>
             <a:r>
-              <a:rPr lang="en-US" dirty="0"/>
+              <a:rPr lang="en-US" dirty="0">
+                <a:latin typeface="+mj-lt"/>
+              </a:rPr>
               <a:t>Initiated Flask-based integration of user model preferences to serve dynamic recommendations.</a:t>
-            </a:r>
-          </a:p>
-        </p:txBody>
-      </p:sp>
-      <p:sp>
-        <p:nvSpPr>
-          <p:cNvPr id="101" name="Text Placeholder 100">
-            <a:extLst>
-              <a:ext uri="{FF2B5EF4-FFF2-40B4-BE49-F238E27FC236}">
-                <a16:creationId xmlns:a16="http://schemas.microsoft.com/office/drawing/2014/main" id="{3F1E5495-EDC6-8943-BA21-C1F3009450C4}"/>
-              </a:ext>
-            </a:extLst>
-          </p:cNvPr>
-          <p:cNvSpPr>
-            <a:spLocks noGrp="1"/>
-          </p:cNvSpPr>
-          <p:nvPr>
-            <p:ph type="body" sz="quarter" idx="150"/>
-          </p:nvPr>
-        </p:nvSpPr>
-        <p:spPr/>
-        <p:txBody>
-          <a:bodyPr/>
-          <a:lstStyle/>
-          <a:p>
-            <a:r>
-              <a:rPr lang="en-US" dirty="0"/>
-              <a:t>RCOS-Spring 2025</a:t>
             </a:r>
           </a:p>
         </p:txBody>
@@ -7576,15 +7780,20 @@
             <p:ph type="body" sz="quarter" idx="151"/>
           </p:nvPr>
         </p:nvSpPr>
-        <p:spPr/>
+        <p:spPr>
+          <a:xfrm>
+            <a:off x="12981886" y="6007385"/>
+            <a:ext cx="17943467" cy="2188339"/>
+          </a:xfrm>
+        </p:spPr>
         <p:txBody>
           <a:bodyPr>
-            <a:normAutofit fontScale="62500" lnSpcReduction="20000"/>
+            <a:normAutofit/>
           </a:bodyPr>
           <a:lstStyle/>
           <a:p>
             <a:r>
-              <a:rPr lang="en-US" dirty="0"/>
+              <a:rPr lang="en-US" sz="5400" dirty="0"/>
               <a:t>Sebastian Grammas, Will Gaca, Adityaa Suratkal, Sebastian Landeta, Adrian Corujo, Pablo Semidey, Ryo Yoshida</a:t>
             </a:r>
           </a:p>
@@ -7606,15 +7815,20 @@
             <p:ph type="body" sz="quarter" idx="153"/>
           </p:nvPr>
         </p:nvSpPr>
-        <p:spPr/>
+        <p:spPr>
+          <a:xfrm>
+            <a:off x="5888751" y="1896721"/>
+            <a:ext cx="31998968" cy="2188339"/>
+          </a:xfrm>
+        </p:spPr>
         <p:txBody>
           <a:bodyPr>
-            <a:normAutofit fontScale="92500" lnSpcReduction="10000"/>
+            <a:noAutofit/>
           </a:bodyPr>
           <a:lstStyle/>
           <a:p>
             <a:r>
-              <a:rPr lang="en-US" dirty="0"/>
+              <a:rPr lang="en-US" sz="17000" dirty="0"/>
               <a:t>CareerMatch-AI</a:t>
             </a:r>
           </a:p>
@@ -7635,10 +7849,10 @@
           <p:nvPr/>
         </p:nvPicPr>
         <p:blipFill>
-          <a:blip r:embed="rId2">
+          <a:blip r:embed="rId3">
             <a:extLst>
               <a:ext uri="{96DAC541-7B7A-43D3-8B79-37D633B846F1}">
-                <asvg:svgBlip xmlns:asvg="http://schemas.microsoft.com/office/drawing/2016/SVG/main" r:embed="rId3"/>
+                <asvg:svgBlip xmlns:asvg="http://schemas.microsoft.com/office/drawing/2016/SVG/main" r:embed="rId4"/>
               </a:ext>
             </a:extLst>
           </a:blip>
@@ -7671,7 +7885,7 @@
           <p:nvPr/>
         </p:nvPicPr>
         <p:blipFill>
-          <a:blip r:embed="rId4" cstate="print">
+          <a:blip r:embed="rId5" cstate="print">
             <a:extLst>
               <a:ext uri="{28A0092B-C50C-407E-A947-70E740481C1C}">
                 <a14:useLocalDpi xmlns:a14="http://schemas.microsoft.com/office/drawing/2010/main" val="0"/>
@@ -7685,8 +7899,8 @@
         </p:blipFill>
         <p:spPr bwMode="auto">
           <a:xfrm>
-            <a:off x="16075703" y="5106428"/>
-            <a:ext cx="11712747" cy="4530810"/>
+            <a:off x="35336860" y="29799267"/>
+            <a:ext cx="6153881" cy="2380489"/>
           </a:xfrm>
           <a:prstGeom prst="rect">
             <a:avLst/>
